--- a/ppt/유한상태머신.pptx
+++ b/ppt/유한상태머신.pptx
@@ -205,7 +205,7 @@
           <a:p>
             <a:fld id="{CE6B5F44-38A3-4146-9D16-3E6AF2D9FE18}" type="datetimeFigureOut">
               <a:rPr lang="ko-KR" altLang="en-US" smtClean="0"/>
-              <a:t>2024-07-08</a:t>
+              <a:t>2025-07-04</a:t>
             </a:fld>
             <a:endParaRPr lang="ko-KR" altLang="en-US"/>
           </a:p>
@@ -787,7 +787,7 @@
           <a:p>
             <a:fld id="{E0A3A794-8497-449B-A4CB-649E2D9943AA}" type="datetimeFigureOut">
               <a:rPr lang="ko-KR" altLang="en-US" smtClean="0"/>
-              <a:t>2024-07-08</a:t>
+              <a:t>2025-07-04</a:t>
             </a:fld>
             <a:endParaRPr lang="ko-KR" altLang="en-US"/>
           </a:p>
@@ -985,7 +985,7 @@
           <a:p>
             <a:fld id="{E0A3A794-8497-449B-A4CB-649E2D9943AA}" type="datetimeFigureOut">
               <a:rPr lang="ko-KR" altLang="en-US" smtClean="0"/>
-              <a:t>2024-07-08</a:t>
+              <a:t>2025-07-04</a:t>
             </a:fld>
             <a:endParaRPr lang="ko-KR" altLang="en-US"/>
           </a:p>
@@ -1193,7 +1193,7 @@
           <a:p>
             <a:fld id="{E0A3A794-8497-449B-A4CB-649E2D9943AA}" type="datetimeFigureOut">
               <a:rPr lang="ko-KR" altLang="en-US" smtClean="0"/>
-              <a:t>2024-07-08</a:t>
+              <a:t>2025-07-04</a:t>
             </a:fld>
             <a:endParaRPr lang="ko-KR" altLang="en-US"/>
           </a:p>
@@ -1391,7 +1391,7 @@
           <a:p>
             <a:fld id="{E0A3A794-8497-449B-A4CB-649E2D9943AA}" type="datetimeFigureOut">
               <a:rPr lang="ko-KR" altLang="en-US" smtClean="0"/>
-              <a:t>2024-07-08</a:t>
+              <a:t>2025-07-04</a:t>
             </a:fld>
             <a:endParaRPr lang="ko-KR" altLang="en-US"/>
           </a:p>
@@ -1666,7 +1666,7 @@
           <a:p>
             <a:fld id="{E0A3A794-8497-449B-A4CB-649E2D9943AA}" type="datetimeFigureOut">
               <a:rPr lang="ko-KR" altLang="en-US" smtClean="0"/>
-              <a:t>2024-07-08</a:t>
+              <a:t>2025-07-04</a:t>
             </a:fld>
             <a:endParaRPr lang="ko-KR" altLang="en-US"/>
           </a:p>
@@ -1931,7 +1931,7 @@
           <a:p>
             <a:fld id="{E0A3A794-8497-449B-A4CB-649E2D9943AA}" type="datetimeFigureOut">
               <a:rPr lang="ko-KR" altLang="en-US" smtClean="0"/>
-              <a:t>2024-07-08</a:t>
+              <a:t>2025-07-04</a:t>
             </a:fld>
             <a:endParaRPr lang="ko-KR" altLang="en-US"/>
           </a:p>
@@ -2343,7 +2343,7 @@
           <a:p>
             <a:fld id="{E0A3A794-8497-449B-A4CB-649E2D9943AA}" type="datetimeFigureOut">
               <a:rPr lang="ko-KR" altLang="en-US" smtClean="0"/>
-              <a:t>2024-07-08</a:t>
+              <a:t>2025-07-04</a:t>
             </a:fld>
             <a:endParaRPr lang="ko-KR" altLang="en-US"/>
           </a:p>
@@ -2484,7 +2484,7 @@
           <a:p>
             <a:fld id="{E0A3A794-8497-449B-A4CB-649E2D9943AA}" type="datetimeFigureOut">
               <a:rPr lang="ko-KR" altLang="en-US" smtClean="0"/>
-              <a:t>2024-07-08</a:t>
+              <a:t>2025-07-04</a:t>
             </a:fld>
             <a:endParaRPr lang="ko-KR" altLang="en-US"/>
           </a:p>
@@ -2597,7 +2597,7 @@
           <a:p>
             <a:fld id="{E0A3A794-8497-449B-A4CB-649E2D9943AA}" type="datetimeFigureOut">
               <a:rPr lang="ko-KR" altLang="en-US" smtClean="0"/>
-              <a:t>2024-07-08</a:t>
+              <a:t>2025-07-04</a:t>
             </a:fld>
             <a:endParaRPr lang="ko-KR" altLang="en-US"/>
           </a:p>
@@ -2908,7 +2908,7 @@
           <a:p>
             <a:fld id="{E0A3A794-8497-449B-A4CB-649E2D9943AA}" type="datetimeFigureOut">
               <a:rPr lang="ko-KR" altLang="en-US" smtClean="0"/>
-              <a:t>2024-07-08</a:t>
+              <a:t>2025-07-04</a:t>
             </a:fld>
             <a:endParaRPr lang="ko-KR" altLang="en-US"/>
           </a:p>
@@ -3196,7 +3196,7 @@
           <a:p>
             <a:fld id="{E0A3A794-8497-449B-A4CB-649E2D9943AA}" type="datetimeFigureOut">
               <a:rPr lang="ko-KR" altLang="en-US" smtClean="0"/>
-              <a:t>2024-07-08</a:t>
+              <a:t>2025-07-04</a:t>
             </a:fld>
             <a:endParaRPr lang="ko-KR" altLang="en-US"/>
           </a:p>
@@ -3437,7 +3437,7 @@
           <a:p>
             <a:fld id="{E0A3A794-8497-449B-A4CB-649E2D9943AA}" type="datetimeFigureOut">
               <a:rPr lang="ko-KR" altLang="en-US" smtClean="0"/>
-              <a:t>2024-07-08</a:t>
+              <a:t>2025-07-04</a:t>
             </a:fld>
             <a:endParaRPr lang="ko-KR" altLang="en-US"/>
           </a:p>
@@ -3908,10 +3908,6 @@
           <a:lstStyle/>
           <a:p>
             <a:r>
-              <a:rPr lang="en-US" altLang="ko-KR" dirty="0"/>
-              <a:t>5) </a:t>
-            </a:r>
-            <a:r>
               <a:rPr lang="ko-KR" altLang="en-US" dirty="0"/>
               <a:t>유한 상태 기계 </a:t>
             </a:r>
@@ -4005,7 +4001,7 @@
         <p:spPr>
           <a:xfrm>
             <a:off x="634999" y="1930400"/>
-            <a:ext cx="10920428" cy="4524315"/>
+            <a:ext cx="10920428" cy="3416320"/>
           </a:xfrm>
           <a:prstGeom prst="rect">
             <a:avLst/>
@@ -4075,11 +4071,11 @@
             </a:r>
             <a:r>
               <a:rPr lang="ko-KR" altLang="en-US" dirty="0"/>
-              <a:t>이벤트</a:t>
+              <a:t>조건</a:t>
             </a:r>
             <a:r>
               <a:rPr lang="en-US" altLang="ko-KR" dirty="0"/>
-              <a:t>(Event or Trigger) </a:t>
+              <a:t>(Condition) </a:t>
             </a:r>
             <a:r>
               <a:rPr lang="ko-KR" altLang="en-US" dirty="0"/>
@@ -4125,7 +4121,15 @@
             </a:r>
             <a:r>
               <a:rPr lang="ko-KR" altLang="en-US" dirty="0"/>
-              <a:t>트리거로서 입력을 처리하여 </a:t>
+              <a:t>조건</a:t>
+            </a:r>
+            <a:r>
+              <a:rPr lang="en-US" altLang="ko-KR" dirty="0"/>
+              <a:t>:</a:t>
+            </a:r>
+            <a:r>
+              <a:rPr lang="ko-KR" altLang="en-US" dirty="0"/>
+              <a:t> 이동속도 처리하여 </a:t>
             </a:r>
             <a:r>
               <a:rPr lang="en-US" altLang="ko-KR" dirty="0" err="1"/>
@@ -4162,11 +4166,19 @@
             </a:r>
             <a:r>
               <a:rPr lang="ko-KR" altLang="en-US" dirty="0"/>
-              <a:t>트리거로서</a:t>
+              <a:t>조건</a:t>
             </a:r>
             <a:r>
               <a:rPr lang="en-US" altLang="ko-KR" dirty="0"/>
-              <a:t> Animation </a:t>
+              <a:t>:</a:t>
+            </a:r>
+            <a:r>
+              <a:rPr lang="ko-KR" altLang="en-US" dirty="0"/>
+              <a:t> </a:t>
+            </a:r>
+            <a:r>
+              <a:rPr lang="en-US" altLang="ko-KR" dirty="0"/>
+              <a:t>Animation </a:t>
             </a:r>
             <a:r>
               <a:rPr lang="ko-KR" altLang="en-US" dirty="0"/>
@@ -4232,55 +4244,6 @@
             <a:r>
               <a:rPr lang="ko-KR" altLang="en-US" dirty="0"/>
               <a:t> </a:t>
-            </a:r>
-            <a:endParaRPr lang="en-US" altLang="ko-KR" dirty="0"/>
-          </a:p>
-          <a:p>
-            <a:endParaRPr lang="en-US" altLang="ko-KR" dirty="0"/>
-          </a:p>
-          <a:p>
-            <a:r>
-              <a:rPr lang="en-US" altLang="ko-KR" dirty="0"/>
-              <a:t>7. </a:t>
-            </a:r>
-            <a:r>
-              <a:rPr lang="en-US" altLang="ko-KR" dirty="0" err="1"/>
-              <a:t>StateChase</a:t>
-            </a:r>
-            <a:r>
-              <a:rPr lang="en-US" altLang="ko-KR" dirty="0"/>
-              <a:t> </a:t>
-            </a:r>
-            <a:r>
-              <a:rPr lang="ko-KR" altLang="en-US" dirty="0"/>
-              <a:t>상태가 있는 적 </a:t>
-            </a:r>
-            <a:r>
-              <a:rPr lang="en-US" altLang="ko-KR" dirty="0"/>
-              <a:t>AI</a:t>
-            </a:r>
-            <a:r>
-              <a:rPr lang="ko-KR" altLang="en-US" dirty="0"/>
-              <a:t>를 구현합니다</a:t>
-            </a:r>
-            <a:r>
-              <a:rPr lang="en-US" altLang="ko-KR" dirty="0"/>
-              <a:t>.</a:t>
-            </a:r>
-          </a:p>
-          <a:p>
-            <a:endParaRPr lang="en-US" altLang="ko-KR" dirty="0"/>
-          </a:p>
-          <a:p>
-            <a:r>
-              <a:rPr lang="ko-KR" altLang="en-US" dirty="0"/>
-              <a:t>상태 시스템 용어 </a:t>
-            </a:r>
-            <a:r>
-              <a:rPr lang="ko-KR" altLang="en-US" dirty="0">
-                <a:hlinkClick r:id="rId2"/>
-              </a:rPr>
-              <a:t>링크</a:t>
             </a:r>
             <a:endParaRPr lang="en-US" altLang="ko-KR" dirty="0"/>
           </a:p>
@@ -5305,7 +5268,7 @@
         <p:spPr>
           <a:xfrm>
             <a:off x="5486400" y="4987448"/>
-            <a:ext cx="6544677" cy="923330"/>
+            <a:ext cx="6544677" cy="1477328"/>
           </a:xfrm>
           <a:prstGeom prst="rect">
             <a:avLst/>
@@ -5348,37 +5311,37 @@
             </a:r>
           </a:p>
           <a:p>
+            <a:endParaRPr lang="en-US" altLang="ko-KR" dirty="0"/>
+          </a:p>
+          <a:p>
+            <a:r>
+              <a:rPr lang="en-US" altLang="ko-KR" dirty="0"/>
+              <a:t>State::Enter: </a:t>
+            </a:r>
             <a:r>
               <a:rPr lang="ko-KR" altLang="en-US" dirty="0"/>
-              <a:t>상속받은 자식 </a:t>
-            </a:r>
-            <a:r>
-              <a:rPr lang="en-US" altLang="ko-KR" dirty="0"/>
-              <a:t>State</a:t>
-            </a:r>
-            <a:r>
-              <a:rPr lang="ko-KR" altLang="en-US" dirty="0"/>
-              <a:t>에서는 </a:t>
-            </a:r>
-            <a:r>
-              <a:rPr lang="en-US" altLang="ko-KR" dirty="0"/>
-              <a:t>State::Enter</a:t>
-            </a:r>
-            <a:r>
-              <a:rPr lang="ko-KR" altLang="en-US" dirty="0"/>
-              <a:t>에서 해당 동작에 맞는</a:t>
-            </a:r>
-            <a:endParaRPr lang="en-US" altLang="ko-KR" dirty="0"/>
-          </a:p>
-          <a:p>
-            <a:r>
-              <a:rPr lang="ko-KR" altLang="en-US" dirty="0"/>
-              <a:t>는 애니메이션을 재생한다</a:t>
+              <a:t> 해당 상태에 맞는 는 애니메이션을 시작한다</a:t>
             </a:r>
             <a:r>
               <a:rPr lang="en-US" altLang="ko-KR" dirty="0"/>
               <a:t>.</a:t>
             </a:r>
+          </a:p>
+          <a:p>
+            <a:r>
+              <a:rPr lang="en-US" altLang="ko-KR" dirty="0"/>
+              <a:t>State::Update: </a:t>
+            </a:r>
+            <a:r>
+              <a:rPr lang="ko-KR" altLang="en-US" dirty="0"/>
+              <a:t>해당 상태에서 처리할 내용을 실행한다</a:t>
+            </a:r>
+            <a:r>
+              <a:rPr lang="en-US" altLang="ko-KR" dirty="0"/>
+              <a:t>.</a:t>
+            </a:r>
+          </a:p>
+          <a:p>
             <a:r>
               <a:rPr lang="ko-KR" altLang="en-US" dirty="0"/>
               <a:t> </a:t>
@@ -5813,7 +5776,7 @@
         <p:spPr>
           <a:xfrm>
             <a:off x="6096000" y="1409719"/>
-            <a:ext cx="4173065" cy="1446550"/>
+            <a:ext cx="4956806" cy="1723549"/>
           </a:xfrm>
           <a:prstGeom prst="rect">
             <a:avLst/>
@@ -5848,8 +5811,12 @@
           </a:p>
           <a:p>
             <a:r>
+              <a:rPr lang="en-US" altLang="ko-KR" sz="1400" b="1" dirty="0"/>
+              <a:t>Enter</a:t>
+            </a:r>
+            <a:r>
               <a:rPr lang="en-US" altLang="ko-KR" sz="1400" dirty="0"/>
-              <a:t>Enter: </a:t>
+              <a:t>: </a:t>
             </a:r>
             <a:r>
               <a:rPr lang="ko-KR" altLang="en-US" sz="1400" dirty="0"/>
@@ -5859,8 +5826,12 @@
           </a:p>
           <a:p>
             <a:r>
+              <a:rPr lang="en-US" altLang="ko-KR" sz="1400" b="1" dirty="0"/>
+              <a:t>Exit</a:t>
+            </a:r>
+            <a:r>
               <a:rPr lang="en-US" altLang="ko-KR" sz="1400" dirty="0"/>
-              <a:t>Exit: </a:t>
+              <a:t>: </a:t>
             </a:r>
             <a:r>
               <a:rPr lang="ko-KR" altLang="en-US" sz="1400" dirty="0"/>
@@ -5870,8 +5841,12 @@
           </a:p>
           <a:p>
             <a:r>
+              <a:rPr lang="en-US" altLang="ko-KR" sz="1400" b="1" dirty="0"/>
+              <a:t>Update</a:t>
+            </a:r>
+            <a:r>
               <a:rPr lang="en-US" altLang="ko-KR" sz="1400" dirty="0"/>
-              <a:t>Update: </a:t>
+              <a:t>: </a:t>
             </a:r>
             <a:r>
               <a:rPr lang="ko-KR" altLang="en-US" sz="1400" dirty="0"/>
@@ -5881,8 +5856,20 @@
           </a:p>
           <a:p>
             <a:r>
+              <a:rPr lang="en-US" altLang="ko-KR" sz="1400" dirty="0"/>
+              <a:t> </a:t>
+            </a:r>
+            <a:r>
+              <a:rPr lang="ko-KR" altLang="ko-KR" sz="1400" dirty="0"/>
+              <a:t>┖</a:t>
+            </a:r>
+            <a:r>
+              <a:rPr lang="en-US" altLang="ko-KR" sz="1400" dirty="0"/>
+              <a:t> </a:t>
+            </a:r>
+            <a:r>
               <a:rPr lang="en-US" altLang="ko-KR" sz="1400" dirty="0" err="1"/>
-              <a:t>CheckTransition</a:t>
+              <a:t>CheckTransitions</a:t>
             </a:r>
             <a:r>
               <a:rPr lang="en-US" altLang="ko-KR" sz="1400" dirty="0"/>
@@ -5890,9 +5877,50 @@
             </a:r>
             <a:r>
               <a:rPr lang="ko-KR" altLang="en-US" sz="1400" dirty="0"/>
-              <a:t>전이가 가능한지 확인하는 내용</a:t>
-            </a:r>
-            <a:endParaRPr lang="en-US" altLang="ko-KR" sz="1400" dirty="0"/>
+              <a:t>전체 전이를 확인</a:t>
+            </a:r>
+            <a:r>
+              <a:rPr lang="en-US" altLang="ko-KR" sz="1400" dirty="0"/>
+              <a:t>( </a:t>
+            </a:r>
+            <a:r>
+              <a:rPr lang="ko-KR" altLang="en-US" sz="1400" dirty="0"/>
+              <a:t>전체조건 </a:t>
+            </a:r>
+            <a:r>
+              <a:rPr lang="en-US" altLang="ko-KR" sz="1400" dirty="0"/>
+              <a:t>true?)</a:t>
+            </a:r>
+          </a:p>
+          <a:p>
+            <a:r>
+              <a:rPr lang="en-US" altLang="ko-KR" sz="1400" dirty="0"/>
+              <a:t>        </a:t>
+            </a:r>
+            <a:r>
+              <a:rPr lang="ko-KR" altLang="ko-KR" sz="1400" dirty="0"/>
+              <a:t>┖</a:t>
+            </a:r>
+            <a:r>
+              <a:rPr lang="en-US" altLang="ko-KR" sz="1400" dirty="0"/>
+              <a:t> </a:t>
+            </a:r>
+            <a:r>
+              <a:rPr lang="en-US" altLang="ko-KR" sz="1400" dirty="0" err="1"/>
+              <a:t>CheckConditions</a:t>
+            </a:r>
+            <a:r>
+              <a:rPr lang="en-US" altLang="ko-KR" sz="1400" dirty="0"/>
+              <a:t>: </a:t>
+            </a:r>
+            <a:r>
+              <a:rPr lang="ko-KR" altLang="en-US" sz="1400" dirty="0"/>
+              <a:t>전체 조건이 부합한지 확인한다</a:t>
+            </a:r>
+            <a:r>
+              <a:rPr lang="en-US" altLang="ko-KR" sz="1400" dirty="0"/>
+              <a:t>.</a:t>
+            </a:r>
           </a:p>
         </p:txBody>
       </p:sp>
@@ -6153,11 +6181,11 @@
           <a:p>
             <a:r>
               <a:rPr lang="ko-KR" altLang="en-US" b="1" dirty="0"/>
-              <a:t>이벤트</a:t>
+              <a:t>조건</a:t>
             </a:r>
             <a:r>
               <a:rPr lang="en-US" altLang="ko-KR" b="1" dirty="0"/>
-              <a:t>(Event or Trigger)</a:t>
+              <a:t>(Conditions)</a:t>
             </a:r>
           </a:p>
           <a:p>
@@ -9441,493 +9469,6 @@
       </p:sp>
       <p:sp>
         <p:nvSpPr>
-          <p:cNvPr id="9" name="타원 8">
-            <a:extLst>
-              <a:ext uri="{FF2B5EF4-FFF2-40B4-BE49-F238E27FC236}">
-                <a16:creationId xmlns:a16="http://schemas.microsoft.com/office/drawing/2014/main" id="{D3548A86-0EE1-12FA-CEE7-79B32ABB3AB2}"/>
-              </a:ext>
-            </a:extLst>
-          </p:cNvPr>
-          <p:cNvSpPr/>
-          <p:nvPr/>
-        </p:nvSpPr>
-        <p:spPr>
-          <a:xfrm>
-            <a:off x="2823081" y="4588550"/>
-            <a:ext cx="914400" cy="914400"/>
-          </a:xfrm>
-          <a:prstGeom prst="ellipse">
-            <a:avLst/>
-          </a:prstGeom>
-        </p:spPr>
-        <p:style>
-          <a:lnRef idx="2">
-            <a:schemeClr val="accent1">
-              <a:shade val="15000"/>
-            </a:schemeClr>
-          </a:lnRef>
-          <a:fillRef idx="1">
-            <a:schemeClr val="accent1"/>
-          </a:fillRef>
-          <a:effectRef idx="0">
-            <a:schemeClr val="accent1"/>
-          </a:effectRef>
-          <a:fontRef idx="minor">
-            <a:schemeClr val="lt1"/>
-          </a:fontRef>
-        </p:style>
-        <p:txBody>
-          <a:bodyPr rtlCol="0" anchor="ctr"/>
-          <a:lstStyle/>
-          <a:p>
-            <a:pPr algn="ctr"/>
-            <a:r>
-              <a:rPr lang="ko-KR" altLang="en-US" dirty="0"/>
-              <a:t>공격</a:t>
-            </a:r>
-          </a:p>
-        </p:txBody>
-      </p:sp>
-      <p:sp>
-        <p:nvSpPr>
-          <p:cNvPr id="10" name="타원 9">
-            <a:extLst>
-              <a:ext uri="{FF2B5EF4-FFF2-40B4-BE49-F238E27FC236}">
-                <a16:creationId xmlns:a16="http://schemas.microsoft.com/office/drawing/2014/main" id="{545D93FF-ABA0-3FD3-C521-35FBE35CD51F}"/>
-              </a:ext>
-            </a:extLst>
-          </p:cNvPr>
-          <p:cNvSpPr/>
-          <p:nvPr/>
-        </p:nvSpPr>
-        <p:spPr>
-          <a:xfrm>
-            <a:off x="4224855" y="2836264"/>
-            <a:ext cx="914400" cy="914400"/>
-          </a:xfrm>
-          <a:prstGeom prst="ellipse">
-            <a:avLst/>
-          </a:prstGeom>
-        </p:spPr>
-        <p:style>
-          <a:lnRef idx="2">
-            <a:schemeClr val="accent1">
-              <a:shade val="15000"/>
-            </a:schemeClr>
-          </a:lnRef>
-          <a:fillRef idx="1">
-            <a:schemeClr val="accent1"/>
-          </a:fillRef>
-          <a:effectRef idx="0">
-            <a:schemeClr val="accent1"/>
-          </a:effectRef>
-          <a:fontRef idx="minor">
-            <a:schemeClr val="lt1"/>
-          </a:fontRef>
-        </p:style>
-        <p:txBody>
-          <a:bodyPr rtlCol="0" anchor="ctr"/>
-          <a:lstStyle/>
-          <a:p>
-            <a:pPr algn="ctr"/>
-            <a:r>
-              <a:rPr lang="ko-KR" altLang="en-US" dirty="0"/>
-              <a:t>대기</a:t>
-            </a:r>
-          </a:p>
-        </p:txBody>
-      </p:sp>
-      <p:cxnSp>
-        <p:nvCxnSpPr>
-          <p:cNvPr id="11" name="직선 화살표 연결선 10">
-            <a:extLst>
-              <a:ext uri="{FF2B5EF4-FFF2-40B4-BE49-F238E27FC236}">
-                <a16:creationId xmlns:a16="http://schemas.microsoft.com/office/drawing/2014/main" id="{48010F2F-414D-8A39-5975-F3310CBAF397}"/>
-              </a:ext>
-            </a:extLst>
-          </p:cNvPr>
-          <p:cNvCxnSpPr>
-            <a:cxnSpLocks/>
-          </p:cNvCxnSpPr>
-          <p:nvPr/>
-        </p:nvCxnSpPr>
-        <p:spPr>
-          <a:xfrm flipH="1">
-            <a:off x="2277275" y="3191864"/>
-            <a:ext cx="1818346" cy="0"/>
-          </a:xfrm>
-          <a:prstGeom prst="straightConnector1">
-            <a:avLst/>
-          </a:prstGeom>
-          <a:ln w="38100">
-            <a:tailEnd type="triangle"/>
-          </a:ln>
-        </p:spPr>
-        <p:style>
-          <a:lnRef idx="1">
-            <a:schemeClr val="accent1"/>
-          </a:lnRef>
-          <a:fillRef idx="0">
-            <a:schemeClr val="accent1"/>
-          </a:fillRef>
-          <a:effectRef idx="0">
-            <a:schemeClr val="accent1"/>
-          </a:effectRef>
-          <a:fontRef idx="minor">
-            <a:schemeClr val="tx1"/>
-          </a:fontRef>
-        </p:style>
-      </p:cxnSp>
-      <p:cxnSp>
-        <p:nvCxnSpPr>
-          <p:cNvPr id="12" name="직선 화살표 연결선 11">
-            <a:extLst>
-              <a:ext uri="{FF2B5EF4-FFF2-40B4-BE49-F238E27FC236}">
-                <a16:creationId xmlns:a16="http://schemas.microsoft.com/office/drawing/2014/main" id="{81619D22-6D45-6FF3-A0C1-F8E337991B25}"/>
-              </a:ext>
-            </a:extLst>
-          </p:cNvPr>
-          <p:cNvCxnSpPr>
-            <a:cxnSpLocks/>
-          </p:cNvCxnSpPr>
-          <p:nvPr/>
-        </p:nvCxnSpPr>
-        <p:spPr>
-          <a:xfrm>
-            <a:off x="2330676" y="3337914"/>
-            <a:ext cx="1711543" cy="0"/>
-          </a:xfrm>
-          <a:prstGeom prst="straightConnector1">
-            <a:avLst/>
-          </a:prstGeom>
-          <a:ln w="38100">
-            <a:tailEnd type="triangle"/>
-          </a:ln>
-        </p:spPr>
-        <p:style>
-          <a:lnRef idx="1">
-            <a:schemeClr val="accent1"/>
-          </a:lnRef>
-          <a:fillRef idx="0">
-            <a:schemeClr val="accent1"/>
-          </a:fillRef>
-          <a:effectRef idx="0">
-            <a:schemeClr val="accent1"/>
-          </a:effectRef>
-          <a:fontRef idx="minor">
-            <a:schemeClr val="tx1"/>
-          </a:fontRef>
-        </p:style>
-      </p:cxnSp>
-      <p:cxnSp>
-        <p:nvCxnSpPr>
-          <p:cNvPr id="13" name="직선 화살표 연결선 12">
-            <a:extLst>
-              <a:ext uri="{FF2B5EF4-FFF2-40B4-BE49-F238E27FC236}">
-                <a16:creationId xmlns:a16="http://schemas.microsoft.com/office/drawing/2014/main" id="{92E42288-5CC9-2BCE-0A11-F82B9488A88D}"/>
-              </a:ext>
-            </a:extLst>
-          </p:cNvPr>
-          <p:cNvCxnSpPr>
-            <a:cxnSpLocks/>
-          </p:cNvCxnSpPr>
-          <p:nvPr/>
-        </p:nvCxnSpPr>
-        <p:spPr>
-          <a:xfrm>
-            <a:off x="2038522" y="3804920"/>
-            <a:ext cx="913804" cy="838539"/>
-          </a:xfrm>
-          <a:prstGeom prst="straightConnector1">
-            <a:avLst/>
-          </a:prstGeom>
-          <a:ln w="38100">
-            <a:tailEnd type="triangle"/>
-          </a:ln>
-        </p:spPr>
-        <p:style>
-          <a:lnRef idx="1">
-            <a:schemeClr val="accent1"/>
-          </a:lnRef>
-          <a:fillRef idx="0">
-            <a:schemeClr val="accent1"/>
-          </a:fillRef>
-          <a:effectRef idx="0">
-            <a:schemeClr val="accent1"/>
-          </a:effectRef>
-          <a:fontRef idx="minor">
-            <a:schemeClr val="tx1"/>
-          </a:fontRef>
-        </p:style>
-      </p:cxnSp>
-      <p:cxnSp>
-        <p:nvCxnSpPr>
-          <p:cNvPr id="14" name="직선 화살표 연결선 13">
-            <a:extLst>
-              <a:ext uri="{FF2B5EF4-FFF2-40B4-BE49-F238E27FC236}">
-                <a16:creationId xmlns:a16="http://schemas.microsoft.com/office/drawing/2014/main" id="{32373774-65E5-483E-6903-CD034AE41112}"/>
-              </a:ext>
-            </a:extLst>
-          </p:cNvPr>
-          <p:cNvCxnSpPr>
-            <a:cxnSpLocks/>
-          </p:cNvCxnSpPr>
-          <p:nvPr/>
-        </p:nvCxnSpPr>
-        <p:spPr>
-          <a:xfrm flipH="1">
-            <a:off x="3664804" y="3832804"/>
-            <a:ext cx="886566" cy="755746"/>
-          </a:xfrm>
-          <a:prstGeom prst="straightConnector1">
-            <a:avLst/>
-          </a:prstGeom>
-          <a:ln w="38100">
-            <a:tailEnd type="triangle"/>
-          </a:ln>
-        </p:spPr>
-        <p:style>
-          <a:lnRef idx="1">
-            <a:schemeClr val="accent1"/>
-          </a:lnRef>
-          <a:fillRef idx="0">
-            <a:schemeClr val="accent1"/>
-          </a:fillRef>
-          <a:effectRef idx="0">
-            <a:schemeClr val="accent1"/>
-          </a:effectRef>
-          <a:fontRef idx="minor">
-            <a:schemeClr val="tx1"/>
-          </a:fontRef>
-        </p:style>
-      </p:cxnSp>
-      <p:cxnSp>
-        <p:nvCxnSpPr>
-          <p:cNvPr id="15" name="직선 화살표 연결선 14">
-            <a:extLst>
-              <a:ext uri="{FF2B5EF4-FFF2-40B4-BE49-F238E27FC236}">
-                <a16:creationId xmlns:a16="http://schemas.microsoft.com/office/drawing/2014/main" id="{A0F64F95-4CEF-16F4-9F1A-8C7F225EC670}"/>
-              </a:ext>
-            </a:extLst>
-          </p:cNvPr>
-          <p:cNvCxnSpPr>
-            <a:cxnSpLocks/>
-          </p:cNvCxnSpPr>
-          <p:nvPr/>
-        </p:nvCxnSpPr>
-        <p:spPr>
-          <a:xfrm flipV="1">
-            <a:off x="3765359" y="3896713"/>
-            <a:ext cx="918992" cy="801395"/>
-          </a:xfrm>
-          <a:prstGeom prst="straightConnector1">
-            <a:avLst/>
-          </a:prstGeom>
-          <a:ln w="38100">
-            <a:tailEnd type="triangle"/>
-          </a:ln>
-        </p:spPr>
-        <p:style>
-          <a:lnRef idx="1">
-            <a:schemeClr val="accent1"/>
-          </a:lnRef>
-          <a:fillRef idx="0">
-            <a:schemeClr val="accent1"/>
-          </a:fillRef>
-          <a:effectRef idx="0">
-            <a:schemeClr val="accent1"/>
-          </a:effectRef>
-          <a:fontRef idx="minor">
-            <a:schemeClr val="tx1"/>
-          </a:fontRef>
-        </p:style>
-      </p:cxnSp>
-      <p:cxnSp>
-        <p:nvCxnSpPr>
-          <p:cNvPr id="16" name="직선 화살표 연결선 15">
-            <a:extLst>
-              <a:ext uri="{FF2B5EF4-FFF2-40B4-BE49-F238E27FC236}">
-                <a16:creationId xmlns:a16="http://schemas.microsoft.com/office/drawing/2014/main" id="{67162212-18A8-3192-4323-07B4D4C181AD}"/>
-              </a:ext>
-            </a:extLst>
-          </p:cNvPr>
-          <p:cNvCxnSpPr>
-            <a:cxnSpLocks/>
-          </p:cNvCxnSpPr>
-          <p:nvPr/>
-        </p:nvCxnSpPr>
-        <p:spPr>
-          <a:xfrm flipH="1" flipV="1">
-            <a:off x="1904685" y="3896713"/>
-            <a:ext cx="918396" cy="773977"/>
-          </a:xfrm>
-          <a:prstGeom prst="straightConnector1">
-            <a:avLst/>
-          </a:prstGeom>
-          <a:ln w="38100">
-            <a:tailEnd type="triangle"/>
-          </a:ln>
-        </p:spPr>
-        <p:style>
-          <a:lnRef idx="1">
-            <a:schemeClr val="accent1"/>
-          </a:lnRef>
-          <a:fillRef idx="0">
-            <a:schemeClr val="accent1"/>
-          </a:fillRef>
-          <a:effectRef idx="0">
-            <a:schemeClr val="accent1"/>
-          </a:effectRef>
-          <a:fontRef idx="minor">
-            <a:schemeClr val="tx1"/>
-          </a:fontRef>
-        </p:style>
-      </p:cxnSp>
-      <p:sp>
-        <p:nvSpPr>
-          <p:cNvPr id="17" name="타원 16">
-            <a:extLst>
-              <a:ext uri="{FF2B5EF4-FFF2-40B4-BE49-F238E27FC236}">
-                <a16:creationId xmlns:a16="http://schemas.microsoft.com/office/drawing/2014/main" id="{BE4D1DCB-61D0-A801-20B7-B83A15952E29}"/>
-              </a:ext>
-            </a:extLst>
-          </p:cNvPr>
-          <p:cNvSpPr/>
-          <p:nvPr/>
-        </p:nvSpPr>
-        <p:spPr>
-          <a:xfrm>
-            <a:off x="1068933" y="2819400"/>
-            <a:ext cx="914400" cy="914400"/>
-          </a:xfrm>
-          <a:prstGeom prst="ellipse">
-            <a:avLst/>
-          </a:prstGeom>
-        </p:spPr>
-        <p:style>
-          <a:lnRef idx="2">
-            <a:schemeClr val="accent1">
-              <a:shade val="15000"/>
-            </a:schemeClr>
-          </a:lnRef>
-          <a:fillRef idx="1">
-            <a:schemeClr val="accent1"/>
-          </a:fillRef>
-          <a:effectRef idx="0">
-            <a:schemeClr val="accent1"/>
-          </a:effectRef>
-          <a:fontRef idx="minor">
-            <a:schemeClr val="lt1"/>
-          </a:fontRef>
-        </p:style>
-        <p:txBody>
-          <a:bodyPr rtlCol="0" anchor="ctr"/>
-          <a:lstStyle/>
-          <a:p>
-            <a:pPr algn="ctr"/>
-            <a:r>
-              <a:rPr lang="ko-KR" altLang="en-US" dirty="0"/>
-              <a:t>추적</a:t>
-            </a:r>
-          </a:p>
-        </p:txBody>
-      </p:sp>
-      <p:sp>
-        <p:nvSpPr>
-          <p:cNvPr id="18" name="타원 17">
-            <a:extLst>
-              <a:ext uri="{FF2B5EF4-FFF2-40B4-BE49-F238E27FC236}">
-                <a16:creationId xmlns:a16="http://schemas.microsoft.com/office/drawing/2014/main" id="{3F4FD761-9116-C668-8E1C-31835E4D7B83}"/>
-              </a:ext>
-            </a:extLst>
-          </p:cNvPr>
-          <p:cNvSpPr/>
-          <p:nvPr/>
-        </p:nvSpPr>
-        <p:spPr>
-          <a:xfrm>
-            <a:off x="5979003" y="2209800"/>
-            <a:ext cx="4250847" cy="4127500"/>
-          </a:xfrm>
-          <a:prstGeom prst="ellipse">
-            <a:avLst/>
-          </a:prstGeom>
-          <a:noFill/>
-        </p:spPr>
-        <p:style>
-          <a:lnRef idx="2">
-            <a:schemeClr val="accent1">
-              <a:shade val="15000"/>
-            </a:schemeClr>
-          </a:lnRef>
-          <a:fillRef idx="1">
-            <a:schemeClr val="accent1"/>
-          </a:fillRef>
-          <a:effectRef idx="0">
-            <a:schemeClr val="accent1"/>
-          </a:effectRef>
-          <a:fontRef idx="minor">
-            <a:schemeClr val="lt1"/>
-          </a:fontRef>
-        </p:style>
-        <p:txBody>
-          <a:bodyPr rtlCol="0" anchor="ctr"/>
-          <a:lstStyle/>
-          <a:p>
-            <a:pPr algn="ctr"/>
-            <a:endParaRPr lang="ko-KR" altLang="en-US"/>
-          </a:p>
-        </p:txBody>
-      </p:sp>
-      <p:sp>
-        <p:nvSpPr>
-          <p:cNvPr id="19" name="타원 18">
-            <a:extLst>
-              <a:ext uri="{FF2B5EF4-FFF2-40B4-BE49-F238E27FC236}">
-                <a16:creationId xmlns:a16="http://schemas.microsoft.com/office/drawing/2014/main" id="{48544E5B-A0EC-F0D8-B255-C0CD2529B716}"/>
-              </a:ext>
-            </a:extLst>
-          </p:cNvPr>
-          <p:cNvSpPr/>
-          <p:nvPr/>
-        </p:nvSpPr>
-        <p:spPr>
-          <a:xfrm>
-            <a:off x="7478951" y="3671550"/>
-            <a:ext cx="1250950" cy="1204000"/>
-          </a:xfrm>
-          <a:prstGeom prst="ellipse">
-            <a:avLst/>
-          </a:prstGeom>
-          <a:noFill/>
-        </p:spPr>
-        <p:style>
-          <a:lnRef idx="2">
-            <a:schemeClr val="accent1">
-              <a:shade val="15000"/>
-            </a:schemeClr>
-          </a:lnRef>
-          <a:fillRef idx="1">
-            <a:schemeClr val="accent1"/>
-          </a:fillRef>
-          <a:effectRef idx="0">
-            <a:schemeClr val="accent1"/>
-          </a:effectRef>
-          <a:fontRef idx="minor">
-            <a:schemeClr val="lt1"/>
-          </a:fontRef>
-        </p:style>
-        <p:txBody>
-          <a:bodyPr rtlCol="0" anchor="ctr"/>
-          <a:lstStyle/>
-          <a:p>
-            <a:pPr algn="ctr"/>
-            <a:endParaRPr lang="ko-KR" altLang="en-US"/>
-          </a:p>
-        </p:txBody>
-      </p:sp>
-      <p:sp>
-        <p:nvSpPr>
           <p:cNvPr id="20" name="TextBox 19">
             <a:extLst>
               <a:ext uri="{FF2B5EF4-FFF2-40B4-BE49-F238E27FC236}">
@@ -9941,7 +9482,7 @@
         <p:spPr>
           <a:xfrm>
             <a:off x="916784" y="1596070"/>
-            <a:ext cx="9910085" cy="369332"/>
+            <a:ext cx="9480480" cy="369332"/>
           </a:xfrm>
           <a:prstGeom prst="rect">
             <a:avLst/>
@@ -9956,278 +9497,32 @@
           <a:p>
             <a:r>
               <a:rPr lang="ko-KR" altLang="en-US" dirty="0"/>
-              <a:t>플레이어를 공격</a:t>
+              <a:t>방향</a:t>
             </a:r>
             <a:r>
               <a:rPr lang="en-US" altLang="ko-KR" dirty="0"/>
-              <a:t>(</a:t>
+              <a:t>,</a:t>
             </a:r>
             <a:r>
               <a:rPr lang="ko-KR" altLang="en-US" dirty="0"/>
-              <a:t>거리</a:t>
+              <a:t>이동 속도</a:t>
             </a:r>
             <a:r>
               <a:rPr lang="en-US" altLang="ko-KR" dirty="0"/>
-              <a:t>100</a:t>
+              <a:t>,</a:t>
             </a:r>
             <a:r>
               <a:rPr lang="ko-KR" altLang="en-US" dirty="0"/>
-              <a:t>미만</a:t>
-            </a:r>
-            <a:r>
-              <a:rPr lang="en-US" altLang="ko-KR" dirty="0"/>
-              <a:t>),</a:t>
-            </a:r>
-            <a:r>
-              <a:rPr lang="ko-KR" altLang="en-US" dirty="0"/>
-              <a:t>추적</a:t>
-            </a:r>
-            <a:r>
-              <a:rPr lang="en-US" altLang="ko-KR" dirty="0"/>
-              <a:t>(</a:t>
-            </a:r>
-            <a:r>
-              <a:rPr lang="ko-KR" altLang="en-US" dirty="0"/>
-              <a:t>거리</a:t>
-            </a:r>
-            <a:r>
-              <a:rPr lang="en-US" altLang="ko-KR" dirty="0"/>
-              <a:t>100</a:t>
-            </a:r>
-            <a:r>
-              <a:rPr lang="ko-KR" altLang="en-US" dirty="0"/>
-              <a:t>이상</a:t>
-            </a:r>
-            <a:r>
-              <a:rPr lang="en-US" altLang="ko-KR" dirty="0"/>
-              <a:t>~500),</a:t>
-            </a:r>
-            <a:r>
-              <a:rPr lang="ko-KR" altLang="en-US" dirty="0"/>
-              <a:t>대기</a:t>
-            </a:r>
-            <a:r>
-              <a:rPr lang="en-US" altLang="ko-KR" dirty="0"/>
-              <a:t>(</a:t>
-            </a:r>
-            <a:r>
-              <a:rPr lang="ko-KR" altLang="en-US" dirty="0"/>
-              <a:t>거리</a:t>
-            </a:r>
-            <a:r>
-              <a:rPr lang="en-US" altLang="ko-KR" dirty="0"/>
-              <a:t>500</a:t>
-            </a:r>
-            <a:r>
-              <a:rPr lang="ko-KR" altLang="en-US" dirty="0"/>
-              <a:t>초과</a:t>
-            </a:r>
-            <a:r>
-              <a:rPr lang="en-US" altLang="ko-KR" dirty="0"/>
-              <a:t>)</a:t>
-            </a:r>
-            <a:r>
-              <a:rPr lang="ko-KR" altLang="en-US" dirty="0"/>
-              <a:t> 하는 </a:t>
-            </a:r>
-            <a:r>
-              <a:rPr lang="en-US" altLang="ko-KR" dirty="0"/>
-              <a:t>AI </a:t>
-            </a:r>
-            <a:r>
-              <a:rPr lang="ko-KR" altLang="en-US" dirty="0"/>
-              <a:t>를 만듭니다</a:t>
+              <a:t>죽음 등에 따라 상태관리를 하며 상태에 따른 애니메이션 출력을 합니다</a:t>
             </a:r>
             <a:r>
               <a:rPr lang="en-US" altLang="ko-KR" dirty="0"/>
               <a:t>.</a:t>
             </a:r>
-            <a:endParaRPr lang="ko-KR" altLang="en-US" dirty="0"/>
-          </a:p>
-        </p:txBody>
-      </p:sp>
-      <p:sp>
-        <p:nvSpPr>
-          <p:cNvPr id="21" name="TextBox 20">
-            <a:extLst>
-              <a:ext uri="{FF2B5EF4-FFF2-40B4-BE49-F238E27FC236}">
-                <a16:creationId xmlns:a16="http://schemas.microsoft.com/office/drawing/2014/main" id="{CDE1ABD0-B055-A6CC-6C67-6E0F0641F407}"/>
-              </a:ext>
-            </a:extLst>
-          </p:cNvPr>
-          <p:cNvSpPr txBox="1"/>
-          <p:nvPr/>
-        </p:nvSpPr>
-        <p:spPr>
-          <a:xfrm>
-            <a:off x="7621443" y="3788271"/>
-            <a:ext cx="902811" cy="307777"/>
-          </a:xfrm>
-          <a:prstGeom prst="rect">
-            <a:avLst/>
-          </a:prstGeom>
-          <a:noFill/>
-        </p:spPr>
-        <p:txBody>
-          <a:bodyPr wrap="none" rtlCol="0">
-            <a:spAutoFit/>
-          </a:bodyPr>
-          <a:lstStyle/>
-          <a:p>
-            <a:r>
-              <a:rPr lang="ko-KR" altLang="en-US" sz="1400" dirty="0"/>
-              <a:t>공격거리</a:t>
-            </a:r>
-          </a:p>
-        </p:txBody>
-      </p:sp>
-      <p:sp>
-        <p:nvSpPr>
-          <p:cNvPr id="22" name="TextBox 21">
-            <a:extLst>
-              <a:ext uri="{FF2B5EF4-FFF2-40B4-BE49-F238E27FC236}">
-                <a16:creationId xmlns:a16="http://schemas.microsoft.com/office/drawing/2014/main" id="{B8266172-DCEA-96A6-02DD-8F903A7A8C30}"/>
-              </a:ext>
-            </a:extLst>
-          </p:cNvPr>
-          <p:cNvSpPr txBox="1"/>
-          <p:nvPr/>
-        </p:nvSpPr>
-        <p:spPr>
-          <a:xfrm>
-            <a:off x="10559173" y="3733800"/>
-            <a:ext cx="965329" cy="307777"/>
-          </a:xfrm>
-          <a:prstGeom prst="rect">
-            <a:avLst/>
-          </a:prstGeom>
-          <a:noFill/>
-        </p:spPr>
-        <p:txBody>
-          <a:bodyPr wrap="none" rtlCol="0">
-            <a:spAutoFit/>
-          </a:bodyPr>
-          <a:lstStyle/>
-          <a:p>
-            <a:r>
-              <a:rPr lang="ko-KR" altLang="en-US" sz="1400" dirty="0"/>
-              <a:t>대기</a:t>
-            </a:r>
-            <a:r>
-              <a:rPr lang="en-US" altLang="ko-KR" sz="1400" dirty="0"/>
+            <a:r>
+              <a:rPr lang="ko-KR" altLang="en-US" dirty="0"/>
               <a:t> </a:t>
             </a:r>
-            <a:r>
-              <a:rPr lang="ko-KR" altLang="en-US" sz="1400" dirty="0"/>
-              <a:t>거리</a:t>
-            </a:r>
-          </a:p>
-        </p:txBody>
-      </p:sp>
-      <p:sp>
-        <p:nvSpPr>
-          <p:cNvPr id="23" name="TextBox 22">
-            <a:extLst>
-              <a:ext uri="{FF2B5EF4-FFF2-40B4-BE49-F238E27FC236}">
-                <a16:creationId xmlns:a16="http://schemas.microsoft.com/office/drawing/2014/main" id="{9F71F4D9-B432-C41E-A36B-E6B873DA7AB8}"/>
-              </a:ext>
-            </a:extLst>
-          </p:cNvPr>
-          <p:cNvSpPr txBox="1"/>
-          <p:nvPr/>
-        </p:nvSpPr>
-        <p:spPr>
-          <a:xfrm>
-            <a:off x="9086984" y="3751445"/>
-            <a:ext cx="965329" cy="307777"/>
-          </a:xfrm>
-          <a:prstGeom prst="rect">
-            <a:avLst/>
-          </a:prstGeom>
-          <a:noFill/>
-        </p:spPr>
-        <p:txBody>
-          <a:bodyPr wrap="none" rtlCol="0">
-            <a:spAutoFit/>
-          </a:bodyPr>
-          <a:lstStyle/>
-          <a:p>
-            <a:r>
-              <a:rPr lang="ko-KR" altLang="en-US" sz="1400" dirty="0"/>
-              <a:t>추적 거리</a:t>
-            </a:r>
-          </a:p>
-        </p:txBody>
-      </p:sp>
-      <p:sp>
-        <p:nvSpPr>
-          <p:cNvPr id="26" name="TextBox 25">
-            <a:extLst>
-              <a:ext uri="{FF2B5EF4-FFF2-40B4-BE49-F238E27FC236}">
-                <a16:creationId xmlns:a16="http://schemas.microsoft.com/office/drawing/2014/main" id="{371EE6D3-2B01-B54A-0858-EE759B0E1154}"/>
-              </a:ext>
-            </a:extLst>
-          </p:cNvPr>
-          <p:cNvSpPr txBox="1"/>
-          <p:nvPr/>
-        </p:nvSpPr>
-        <p:spPr>
-          <a:xfrm>
-            <a:off x="7892621" y="4224189"/>
-            <a:ext cx="534970" cy="369332"/>
-          </a:xfrm>
-          <a:prstGeom prst="rect">
-            <a:avLst/>
-          </a:prstGeom>
-          <a:noFill/>
-        </p:spPr>
-        <p:txBody>
-          <a:bodyPr wrap="square">
-            <a:spAutoFit/>
-          </a:bodyPr>
-          <a:lstStyle/>
-          <a:p>
-            <a:r>
-              <a:rPr lang="en-US" altLang="ko-KR" dirty="0"/>
-              <a:t>AI</a:t>
-            </a:r>
-            <a:endParaRPr lang="ko-KR" altLang="en-US" dirty="0"/>
-          </a:p>
-        </p:txBody>
-      </p:sp>
-      <p:sp>
-        <p:nvSpPr>
-          <p:cNvPr id="27" name="TextBox 26">
-            <a:extLst>
-              <a:ext uri="{FF2B5EF4-FFF2-40B4-BE49-F238E27FC236}">
-                <a16:creationId xmlns:a16="http://schemas.microsoft.com/office/drawing/2014/main" id="{58AFD0F2-6A97-CBE3-3902-B73B45D080ED}"/>
-              </a:ext>
-            </a:extLst>
-          </p:cNvPr>
-          <p:cNvSpPr txBox="1"/>
-          <p:nvPr/>
-        </p:nvSpPr>
-        <p:spPr>
-          <a:xfrm>
-            <a:off x="11150600" y="4875550"/>
-            <a:ext cx="903503" cy="369332"/>
-          </a:xfrm>
-          <a:prstGeom prst="rect">
-            <a:avLst/>
-          </a:prstGeom>
-          <a:noFill/>
-        </p:spPr>
-        <p:txBody>
-          <a:bodyPr wrap="square">
-            <a:spAutoFit/>
-          </a:bodyPr>
-          <a:lstStyle/>
-          <a:p>
-            <a:r>
-              <a:rPr lang="en-US" altLang="ko-KR" dirty="0"/>
-              <a:t>Player</a:t>
-            </a:r>
-            <a:endParaRPr lang="ko-KR" altLang="en-US" dirty="0"/>
           </a:p>
         </p:txBody>
       </p:sp>
